--- a/slides/meetup_01/02_wtf_is_ai.pptx
+++ b/slides/meetup_01/02_wtf_is_ai.pptx
@@ -8817,7 +8817,7 @@
             <a:tbl>
               <a:tblPr>
                 <a:noFill/>
-                <a:tableStyleId>{AD437E5A-6A5A-4B76-8A6B-14D9858332D0}</a:tableStyleId>
+                <a:tableStyleId>{45BDA954-677E-49EA-BD47-F6EFB3779960}</a:tableStyleId>
               </a:tblPr>
               <a:tblGrid>
                 <a:gridCol w="1842550"/>
@@ -9891,7 +9891,7 @@
             <a:tbl>
               <a:tblPr>
                 <a:noFill/>
-                <a:tableStyleId>{AD437E5A-6A5A-4B76-8A6B-14D9858332D0}</a:tableStyleId>
+                <a:tableStyleId>{45BDA954-677E-49EA-BD47-F6EFB3779960}</a:tableStyleId>
               </a:tblPr>
               <a:tblGrid>
                 <a:gridCol w="1924550"/>
@@ -10612,7 +10612,7 @@
             <a:tbl>
               <a:tblPr>
                 <a:noFill/>
-                <a:tableStyleId>{AD437E5A-6A5A-4B76-8A6B-14D9858332D0}</a:tableStyleId>
+                <a:tableStyleId>{45BDA954-677E-49EA-BD47-F6EFB3779960}</a:tableStyleId>
               </a:tblPr>
               <a:tblGrid>
                 <a:gridCol w="1195250"/>
@@ -11561,7 +11561,7 @@
             <a:tbl>
               <a:tblPr>
                 <a:noFill/>
-                <a:tableStyleId>{AD437E5A-6A5A-4B76-8A6B-14D9858332D0}</a:tableStyleId>
+                <a:tableStyleId>{45BDA954-677E-49EA-BD47-F6EFB3779960}</a:tableStyleId>
               </a:tblPr>
               <a:tblGrid>
                 <a:gridCol w="3619500"/>
